--- a/lessons_I/9-11/les_11/les_11_exceptions_file.pptx
+++ b/lessons_I/9-11/les_11/les_11_exceptions_file.pptx
@@ -259,8 +259,11 @@
     </a:lvl9pPr>
   </p:defaultTextStyle>
   <p:extLst>
+    <p:ext uri="{EFAFB233-063F-42B5-8137-9DF3F51BA10A}">
+      <p15:sldGuideLst xmlns:p15="http://schemas.microsoft.com/office/powerpoint/2012/main"/>
+    </p:ext>
     <p:ext uri="http://customooxmlschemas.google.com/">
-      <go:slidesCustomData xmlns:go="http://customooxmlschemas.google.com/" xmlns:p15="http://schemas.microsoft.com/office/powerpoint/2012/main" xmlns:p14="http://schemas.microsoft.com/office/powerpoint/2010/main" xmlns:com="http://schemas.openxmlformats.org/drawingml/2006/compatibility" xmlns:pvml="urn:schemas-microsoft-com:office:powerpoint" xmlns:v="urn:schemas-microsoft-com:vml" xmlns:o="urn:schemas-microsoft-com:office:office" xmlns:dgm="http://schemas.openxmlformats.org/drawingml/2006/diagram" xmlns:c="http://schemas.openxmlformats.org/drawingml/2006/chart" xmlns:mv="urn:schemas-microsoft-com:mac:vml" xmlns:mc="http://schemas.openxmlformats.org/markup-compatibility/2006" xmlns="" r:id="rId25" roundtripDataSignature="AMtx7mhX6YjuDi0mp9XWcZAjmNPNTc3yRw=="/>
+      <go:slidesCustomData xmlns="" xmlns:mc="http://schemas.openxmlformats.org/markup-compatibility/2006" xmlns:mv="urn:schemas-microsoft-com:mac:vml" xmlns:c="http://schemas.openxmlformats.org/drawingml/2006/chart" xmlns:dgm="http://schemas.openxmlformats.org/drawingml/2006/diagram" xmlns:o="urn:schemas-microsoft-com:office:office" xmlns:v="urn:schemas-microsoft-com:vml" xmlns:pvml="urn:schemas-microsoft-com:office:powerpoint" xmlns:com="http://schemas.openxmlformats.org/drawingml/2006/compatibility" xmlns:p14="http://schemas.microsoft.com/office/powerpoint/2010/main" xmlns:p15="http://schemas.microsoft.com/office/powerpoint/2012/main" xmlns:go="http://customooxmlschemas.google.com/" r:id="rId25" roundtripDataSignature="AMtx7mhX6YjuDi0mp9XWcZAjmNPNTc3yRw=="/>
     </p:ext>
   </p:extLst>
 </p:presentation>
@@ -19973,7 +19976,7 @@
         <p:spPr>
           <a:xfrm>
             <a:off x="3463539" y="4336026"/>
-            <a:ext cx="2392961" cy="1028391"/>
+            <a:ext cx="2392961" cy="1340155"/>
           </a:xfrm>
           <a:prstGeom prst="rect">
             <a:avLst/>
@@ -20193,7 +20196,7 @@
               <a:buNone/>
             </a:pPr>
             <a:r>
-              <a:rPr lang="ru-RU" sz="1800" b="1" i="0" u="none" strike="noStrike" cap="none">
+              <a:rPr lang="ru-RU" sz="1800" b="1" i="0" u="none" strike="noStrike" cap="none" dirty="0">
                 <a:solidFill>
                   <a:schemeClr val="dk1"/>
                 </a:solidFill>
@@ -20204,7 +20207,7 @@
               </a:rPr>
               <a:t>Открываем файл </a:t>
             </a:r>
-            <a:endParaRPr/>
+            <a:endParaRPr dirty="0"/>
           </a:p>
           <a:p>
             <a:pPr marL="0" marR="0" lvl="0" indent="0" algn="l" rtl="0">
@@ -20220,7 +20223,7 @@
               <a:buNone/>
             </a:pPr>
             <a:r>
-              <a:rPr lang="ru-RU" sz="1800" b="0" i="0" u="none" strike="noStrike" cap="none">
+              <a:rPr lang="ru-RU" sz="1800" b="0" i="0" u="none" strike="noStrike" cap="none" dirty="0">
                 <a:solidFill>
                   <a:schemeClr val="dk1"/>
                 </a:solidFill>
@@ -20231,7 +20234,7 @@
               </a:rPr>
               <a:t> </a:t>
             </a:r>
-            <a:endParaRPr/>
+            <a:endParaRPr dirty="0"/>
           </a:p>
           <a:p>
             <a:pPr marL="0" marR="0" lvl="0" indent="0" algn="l" rtl="0">
@@ -20247,7 +20250,7 @@
               <a:buNone/>
             </a:pPr>
             <a:r>
-              <a:rPr lang="ru-RU" sz="1800" b="0" i="0" u="none" strike="noStrike" cap="none">
+              <a:rPr lang="ru-RU" sz="1800" b="0" i="0" u="none" strike="noStrike" cap="none" dirty="0">
                 <a:solidFill>
                   <a:schemeClr val="dk1"/>
                 </a:solidFill>
@@ -20258,7 +20261,7 @@
               </a:rPr>
               <a:t>Файл должен быть открыт до того, как вы захотите считывать с него информацию, или записывать ее в файл.  </a:t>
             </a:r>
-            <a:endParaRPr/>
+            <a:endParaRPr dirty="0"/>
           </a:p>
           <a:p>
             <a:pPr marL="0" marR="0" lvl="0" indent="0" algn="l" rtl="0">
@@ -20274,7 +20277,7 @@
               <a:buNone/>
             </a:pPr>
             <a:r>
-              <a:rPr lang="ru-RU" sz="1800" b="0" i="0" u="none" strike="noStrike" cap="none">
+              <a:rPr lang="ru-RU" sz="1800" b="0" i="0" u="none" strike="noStrike" cap="none" dirty="0">
                 <a:solidFill>
                   <a:schemeClr val="dk1"/>
                 </a:solidFill>
@@ -20283,25 +20286,10 @@
                 <a:cs typeface="Calibri"/>
                 <a:sym typeface="Calibri"/>
               </a:rPr>
-              <a:t>Оба объекта ofstream и fstream могут быть использованы для открытия файла для записи. </a:t>
+              <a:t>Оба объекта </a:t>
             </a:r>
-            <a:endParaRPr/>
-          </a:p>
-          <a:p>
-            <a:pPr marL="0" marR="0" lvl="0" indent="0" algn="l" rtl="0">
-              <a:lnSpc>
-                <a:spcPct val="100000"/>
-              </a:lnSpc>
-              <a:spcBef>
-                <a:spcPts val="0"/>
-              </a:spcBef>
-              <a:spcAft>
-                <a:spcPts val="0"/>
-              </a:spcAft>
-              <a:buNone/>
-            </a:pPr>
             <a:r>
-              <a:rPr lang="ru-RU" sz="1800" b="0" i="0" u="none" strike="noStrike" cap="none">
+              <a:rPr lang="ru-RU" sz="1800" b="0" i="0" u="none" strike="noStrike" cap="none" dirty="0" err="1">
                 <a:solidFill>
                   <a:schemeClr val="dk1"/>
                 </a:solidFill>
@@ -20310,9 +20298,96 @@
                 <a:cs typeface="Calibri"/>
                 <a:sym typeface="Calibri"/>
               </a:rPr>
-              <a:t>Давайте откроем файл "test.txt" и запишем в него немного информации. Когда вы закончите работать с файлом закройте его, с помощью функции close().</a:t>
+              <a:t>ofstream</a:t>
             </a:r>
-            <a:endParaRPr sz="1800" b="0" i="0" u="none" strike="noStrike" cap="none">
+            <a:r>
+              <a:rPr lang="ru-RU" sz="1800" b="0" i="0" u="none" strike="noStrike" cap="none" dirty="0">
+                <a:solidFill>
+                  <a:schemeClr val="dk1"/>
+                </a:solidFill>
+                <a:latin typeface="Calibri"/>
+                <a:ea typeface="Calibri"/>
+                <a:cs typeface="Calibri"/>
+                <a:sym typeface="Calibri"/>
+              </a:rPr>
+              <a:t> и </a:t>
+            </a:r>
+            <a:r>
+              <a:rPr lang="ru-RU" sz="1800" b="0" i="0" u="none" strike="noStrike" cap="none" dirty="0" err="1">
+                <a:solidFill>
+                  <a:schemeClr val="dk1"/>
+                </a:solidFill>
+                <a:latin typeface="Calibri"/>
+                <a:ea typeface="Calibri"/>
+                <a:cs typeface="Calibri"/>
+                <a:sym typeface="Calibri"/>
+              </a:rPr>
+              <a:t>fstream</a:t>
+            </a:r>
+            <a:r>
+              <a:rPr lang="ru-RU" sz="1800" b="0" i="0" u="none" strike="noStrike" cap="none" dirty="0">
+                <a:solidFill>
+                  <a:schemeClr val="dk1"/>
+                </a:solidFill>
+                <a:latin typeface="Calibri"/>
+                <a:ea typeface="Calibri"/>
+                <a:cs typeface="Calibri"/>
+                <a:sym typeface="Calibri"/>
+              </a:rPr>
+              <a:t> могут быть использованы для открытия файла для записи. </a:t>
+            </a:r>
+            <a:endParaRPr dirty="0"/>
+          </a:p>
+          <a:p>
+            <a:pPr marL="0" marR="0" lvl="0" indent="0" algn="l" rtl="0">
+              <a:lnSpc>
+                <a:spcPct val="100000"/>
+              </a:lnSpc>
+              <a:spcBef>
+                <a:spcPts val="0"/>
+              </a:spcBef>
+              <a:spcAft>
+                <a:spcPts val="0"/>
+              </a:spcAft>
+              <a:buNone/>
+            </a:pPr>
+            <a:r>
+              <a:rPr lang="ru-RU" sz="1800" b="0" i="0" u="none" strike="noStrike" cap="none" dirty="0">
+                <a:solidFill>
+                  <a:schemeClr val="dk1"/>
+                </a:solidFill>
+                <a:latin typeface="Calibri"/>
+                <a:ea typeface="Calibri"/>
+                <a:cs typeface="Calibri"/>
+                <a:sym typeface="Calibri"/>
+              </a:rPr>
+              <a:t>Давайте откроем файл "test.txt" и запишем в него немного информации. Когда вы закончите работать с файлом закройте его, с помощью функции </a:t>
+            </a:r>
+            <a:r>
+              <a:rPr lang="ru-RU" sz="1800" b="0" i="0" u="none" strike="noStrike" cap="none" dirty="0" err="1">
+                <a:solidFill>
+                  <a:schemeClr val="dk1"/>
+                </a:solidFill>
+                <a:latin typeface="Calibri"/>
+                <a:ea typeface="Calibri"/>
+                <a:cs typeface="Calibri"/>
+                <a:sym typeface="Calibri"/>
+              </a:rPr>
+              <a:t>close</a:t>
+            </a:r>
+            <a:r>
+              <a:rPr lang="ru-RU" sz="1800" b="0" i="0" u="none" strike="noStrike" cap="none" dirty="0">
+                <a:solidFill>
+                  <a:schemeClr val="dk1"/>
+                </a:solidFill>
+                <a:latin typeface="Calibri"/>
+                <a:ea typeface="Calibri"/>
+                <a:cs typeface="Calibri"/>
+                <a:sym typeface="Calibri"/>
+              </a:rPr>
+              <a:t>().</a:t>
+            </a:r>
+            <a:endParaRPr sz="1800" b="0" i="0" u="none" strike="noStrike" cap="none" dirty="0">
               <a:solidFill>
                 <a:schemeClr val="dk1"/>
               </a:solidFill>
@@ -20848,7 +20923,7 @@
               <a:buNone/>
             </a:pPr>
             <a:r>
-              <a:rPr lang="ru-RU" sz="1800" b="1" i="0" u="none" strike="noStrike" cap="none">
+              <a:rPr lang="ru-RU" sz="1800" b="1" i="0" u="none" strike="noStrike" cap="none" dirty="0">
                 <a:solidFill>
                   <a:schemeClr val="dk1"/>
                 </a:solidFill>
@@ -20859,7 +20934,7 @@
               </a:rPr>
               <a:t>Работа с файлами.</a:t>
             </a:r>
-            <a:endParaRPr sz="1800" b="1" i="0" u="none" strike="noStrike" cap="none">
+            <a:endParaRPr sz="1800" b="1" i="0" u="none" strike="noStrike" cap="none" dirty="0">
               <a:solidFill>
                 <a:schemeClr val="dk1"/>
               </a:solidFill>
@@ -20882,7 +20957,7 @@
               </a:spcAft>
               <a:buNone/>
             </a:pPr>
-            <a:endParaRPr sz="1800" b="0" i="0" u="none" strike="noStrike" cap="none">
+            <a:endParaRPr sz="1800" b="0" i="0" u="none" strike="noStrike" cap="none" dirty="0">
               <a:solidFill>
                 <a:schemeClr val="dk1"/>
               </a:solidFill>
@@ -20906,7 +20981,7 @@
               <a:buNone/>
             </a:pPr>
             <a:r>
-              <a:rPr lang="ru-RU" sz="1800" b="0" i="0" u="none" strike="noStrike" cap="none">
+              <a:rPr lang="ru-RU" sz="1800" b="0" i="0" u="none" strike="noStrike" cap="none" dirty="0">
                 <a:solidFill>
                   <a:schemeClr val="dk1"/>
                 </a:solidFill>
@@ -20915,9 +20990,33 @@
                 <a:cs typeface="Calibri"/>
                 <a:sym typeface="Calibri"/>
               </a:rPr>
-              <a:t>У вас также есть возможность указать путь к файлу в функции open, так что он может находиться в любом месте.</a:t>
+              <a:t>У вас также есть возможность указать путь к файлу в функции </a:t>
             </a:r>
-            <a:endParaRPr sz="1800" b="0" i="0" u="none" strike="noStrike" cap="none">
+            <a:r>
+              <a:rPr lang="ru-RU" sz="1800" b="0" i="0" u="none" strike="noStrike" cap="none" dirty="0" err="1">
+                <a:solidFill>
+                  <a:schemeClr val="dk1"/>
+                </a:solidFill>
+                <a:latin typeface="Calibri"/>
+                <a:ea typeface="Calibri"/>
+                <a:cs typeface="Calibri"/>
+                <a:sym typeface="Calibri"/>
+              </a:rPr>
+              <a:t>open</a:t>
+            </a:r>
+            <a:r>
+              <a:rPr lang="ru-RU" sz="1800" b="0" i="0" u="none" strike="noStrike" cap="none" dirty="0">
+                <a:solidFill>
+                  <a:schemeClr val="dk1"/>
+                </a:solidFill>
+                <a:latin typeface="Calibri"/>
+                <a:ea typeface="Calibri"/>
+                <a:cs typeface="Calibri"/>
+                <a:sym typeface="Calibri"/>
+              </a:rPr>
+              <a:t>, так что он может находиться в любом месте.</a:t>
+            </a:r>
+            <a:endParaRPr sz="1800" b="0" i="0" u="none" strike="noStrike" cap="none" dirty="0">
               <a:solidFill>
                 <a:schemeClr val="dk1"/>
               </a:solidFill>
@@ -20940,7 +21039,7 @@
               </a:spcAft>
               <a:buNone/>
             </a:pPr>
-            <a:endParaRPr sz="1800" b="0" i="0" u="none" strike="noStrike" cap="none">
+            <a:endParaRPr sz="1800" b="0" i="0" u="none" strike="noStrike" cap="none" dirty="0">
               <a:solidFill>
                 <a:schemeClr val="dk1"/>
               </a:solidFill>
@@ -20964,7 +21063,7 @@
               <a:buNone/>
             </a:pPr>
             <a:r>
-              <a:rPr lang="ru-RU" sz="1800" b="0" i="0" u="none" strike="noStrike" cap="none">
+              <a:rPr lang="ru-RU" sz="1800" b="0" i="0" u="none" strike="noStrike" cap="none" dirty="0">
                 <a:solidFill>
                   <a:schemeClr val="dk1"/>
                 </a:solidFill>
@@ -20973,25 +21072,10 @@
                 <a:cs typeface="Calibri"/>
                 <a:sym typeface="Calibri"/>
               </a:rPr>
-              <a:t>При некоторых обстоятельствах, например, если у вас нет допуска к файлу, функция open может выдать ошибку.  </a:t>
+              <a:t>При некоторых обстоятельствах, например, если у вас нет допуска к файлу, функция </a:t>
             </a:r>
-            <a:endParaRPr/>
-          </a:p>
-          <a:p>
-            <a:pPr marL="0" marR="0" lvl="0" indent="0" algn="l" rtl="0">
-              <a:lnSpc>
-                <a:spcPct val="100000"/>
-              </a:lnSpc>
-              <a:spcBef>
-                <a:spcPts val="0"/>
-              </a:spcBef>
-              <a:spcAft>
-                <a:spcPts val="0"/>
-              </a:spcAft>
-              <a:buNone/>
-            </a:pPr>
             <a:r>
-              <a:rPr lang="ru-RU" sz="1800" b="0" i="0" u="none" strike="noStrike" cap="none">
+              <a:rPr lang="ru-RU" sz="1800" b="0" i="0" u="none" strike="noStrike" cap="none" dirty="0" err="1">
                 <a:solidFill>
                   <a:schemeClr val="dk1"/>
                 </a:solidFill>
@@ -21000,9 +21084,72 @@
                 <a:cs typeface="Calibri"/>
                 <a:sym typeface="Calibri"/>
               </a:rPr>
-              <a:t>Функция is_open() проверяет открыт ли файл и доступен ли он.</a:t>
+              <a:t>open</a:t>
             </a:r>
-            <a:endParaRPr/>
+            <a:r>
+              <a:rPr lang="ru-RU" sz="1800" b="0" i="0" u="none" strike="noStrike" cap="none" dirty="0">
+                <a:solidFill>
+                  <a:schemeClr val="dk1"/>
+                </a:solidFill>
+                <a:latin typeface="Calibri"/>
+                <a:ea typeface="Calibri"/>
+                <a:cs typeface="Calibri"/>
+                <a:sym typeface="Calibri"/>
+              </a:rPr>
+              <a:t> может выдать ошибку.  </a:t>
+            </a:r>
+            <a:endParaRPr dirty="0"/>
+          </a:p>
+          <a:p>
+            <a:pPr marL="0" marR="0" lvl="0" indent="0" algn="l" rtl="0">
+              <a:lnSpc>
+                <a:spcPct val="100000"/>
+              </a:lnSpc>
+              <a:spcBef>
+                <a:spcPts val="0"/>
+              </a:spcBef>
+              <a:spcAft>
+                <a:spcPts val="0"/>
+              </a:spcAft>
+              <a:buNone/>
+            </a:pPr>
+            <a:r>
+              <a:rPr lang="ru-RU" sz="1800" b="0" i="0" u="none" strike="noStrike" cap="none" dirty="0">
+                <a:solidFill>
+                  <a:schemeClr val="dk1"/>
+                </a:solidFill>
+                <a:latin typeface="Calibri"/>
+                <a:ea typeface="Calibri"/>
+                <a:cs typeface="Calibri"/>
+                <a:sym typeface="Calibri"/>
+              </a:rPr>
+              <a:t>Функция </a:t>
+            </a:r>
+            <a:r>
+              <a:rPr lang="ru-RU" sz="1800" b="0" i="0" u="none" strike="noStrike" cap="none" dirty="0" err="1">
+                <a:solidFill>
+                  <a:schemeClr val="dk1"/>
+                </a:solidFill>
+                <a:latin typeface="Calibri"/>
+                <a:ea typeface="Calibri"/>
+                <a:cs typeface="Calibri"/>
+                <a:sym typeface="Calibri"/>
+              </a:rPr>
+              <a:t>is_open</a:t>
+            </a:r>
+            <a:r>
+              <a:rPr lang="ru-RU" sz="1800" b="0" i="0" u="none" strike="noStrike" cap="none" dirty="0">
+                <a:solidFill>
+                  <a:schemeClr val="dk1"/>
+                </a:solidFill>
+                <a:latin typeface="Calibri"/>
+                <a:ea typeface="Calibri"/>
+                <a:cs typeface="Calibri"/>
+                <a:sym typeface="Calibri"/>
+              </a:rPr>
+              <a:t>() проверяет открыт ли файл и доступен ли он.</a:t>
+            </a:r>
+            <a:endParaRPr dirty="0"/>
           </a:p>
         </p:txBody>
       </p:sp>
@@ -22985,7 +23132,7 @@
               <a:buNone/>
             </a:pPr>
             <a:r>
-              <a:rPr lang="ru-RU" sz="1800" b="1" i="0" u="none" strike="noStrike" cap="none">
+              <a:rPr lang="ru-RU" sz="1800" b="1" i="0" u="none" strike="noStrike" cap="none" dirty="0">
                 <a:solidFill>
                   <a:schemeClr val="dk1"/>
                 </a:solidFill>
@@ -22996,7 +23143,7 @@
               </a:rPr>
               <a:t>Чтение из файла </a:t>
             </a:r>
-            <a:endParaRPr/>
+            <a:endParaRPr dirty="0"/>
           </a:p>
           <a:p>
             <a:pPr marL="0" marR="0" lvl="0" indent="0" algn="l" rtl="0">
@@ -23012,7 +23159,7 @@
               <a:buNone/>
             </a:pPr>
             <a:r>
-              <a:rPr lang="ru-RU" sz="1800" b="0" i="0" u="none" strike="noStrike" cap="none">
+              <a:rPr lang="ru-RU" sz="1800" b="0" i="0" u="none" strike="noStrike" cap="none" dirty="0">
                 <a:solidFill>
                   <a:schemeClr val="dk1"/>
                 </a:solidFill>
@@ -23023,7 +23170,7 @@
               </a:rPr>
               <a:t> </a:t>
             </a:r>
-            <a:endParaRPr/>
+            <a:endParaRPr dirty="0"/>
           </a:p>
           <a:p>
             <a:pPr marL="0" marR="0" lvl="0" indent="0" algn="l" rtl="0">
@@ -23039,7 +23186,7 @@
               <a:buNone/>
             </a:pPr>
             <a:r>
-              <a:rPr lang="ru-RU" sz="1800" b="0" i="0" u="none" strike="noStrike" cap="none">
+              <a:rPr lang="ru-RU" sz="1800" b="0" i="0" u="none" strike="noStrike" cap="none" dirty="0">
                 <a:solidFill>
                   <a:schemeClr val="dk1"/>
                 </a:solidFill>
@@ -23048,9 +23195,57 @@
                 <a:cs typeface="Calibri"/>
                 <a:sym typeface="Calibri"/>
               </a:rPr>
-              <a:t>Вы можете читать информацию из файла с помощью объекта ifstream или fstream.</a:t>
+              <a:t>Вы можете читать информацию из файла с помощью объекта </a:t>
             </a:r>
-            <a:endParaRPr sz="1800" b="0" i="0" u="none" strike="noStrike" cap="none">
+            <a:r>
+              <a:rPr lang="ru-RU" sz="1800" b="0" i="0" u="none" strike="noStrike" cap="none" dirty="0" err="1">
+                <a:solidFill>
+                  <a:schemeClr val="dk1"/>
+                </a:solidFill>
+                <a:latin typeface="Calibri"/>
+                <a:ea typeface="Calibri"/>
+                <a:cs typeface="Calibri"/>
+                <a:sym typeface="Calibri"/>
+              </a:rPr>
+              <a:t>ifstream</a:t>
+            </a:r>
+            <a:r>
+              <a:rPr lang="ru-RU" sz="1800" b="0" i="0" u="none" strike="noStrike" cap="none" dirty="0">
+                <a:solidFill>
+                  <a:schemeClr val="dk1"/>
+                </a:solidFill>
+                <a:latin typeface="Calibri"/>
+                <a:ea typeface="Calibri"/>
+                <a:cs typeface="Calibri"/>
+                <a:sym typeface="Calibri"/>
+              </a:rPr>
+              <a:t> или </a:t>
+            </a:r>
+            <a:r>
+              <a:rPr lang="ru-RU" sz="1800" b="0" i="0" u="none" strike="noStrike" cap="none" dirty="0" err="1">
+                <a:solidFill>
+                  <a:schemeClr val="dk1"/>
+                </a:solidFill>
+                <a:latin typeface="Calibri"/>
+                <a:ea typeface="Calibri"/>
+                <a:cs typeface="Calibri"/>
+                <a:sym typeface="Calibri"/>
+              </a:rPr>
+              <a:t>fstream</a:t>
+            </a:r>
+            <a:r>
+              <a:rPr lang="ru-RU" sz="1800" b="0" i="0" u="none" strike="noStrike" cap="none" dirty="0">
+                <a:solidFill>
+                  <a:schemeClr val="dk1"/>
+                </a:solidFill>
+                <a:latin typeface="Calibri"/>
+                <a:ea typeface="Calibri"/>
+                <a:cs typeface="Calibri"/>
+                <a:sym typeface="Calibri"/>
+              </a:rPr>
+              <a:t>.</a:t>
+            </a:r>
+            <a:endParaRPr sz="1800" b="0" i="0" u="none" strike="noStrike" cap="none" dirty="0">
               <a:solidFill>
                 <a:schemeClr val="dk1"/>
               </a:solidFill>
@@ -23073,7 +23268,7 @@
               </a:spcAft>
               <a:buNone/>
             </a:pPr>
-            <a:endParaRPr sz="1800" b="0" i="0" u="none" strike="noStrike" cap="none">
+            <a:endParaRPr sz="1800" b="0" i="0" u="none" strike="noStrike" cap="none" dirty="0">
               <a:solidFill>
                 <a:schemeClr val="dk1"/>
               </a:solidFill>
@@ -23097,7 +23292,7 @@
               <a:buNone/>
             </a:pPr>
             <a:r>
-              <a:rPr lang="ru-RU" sz="1800" b="0" i="0" u="none" strike="noStrike" cap="none">
+              <a:rPr lang="ru-RU" sz="1800" b="0" i="0" u="none" strike="noStrike" cap="none" dirty="0">
                 <a:solidFill>
                   <a:schemeClr val="dk1"/>
                 </a:solidFill>
@@ -23106,9 +23301,33 @@
                 <a:cs typeface="Calibri"/>
                 <a:sym typeface="Calibri"/>
               </a:rPr>
-              <a:t>Функция getline считывает символы из потока ввода и помещает их в строку.</a:t>
+              <a:t>Функция </a:t>
             </a:r>
-            <a:endParaRPr sz="1800" b="0" i="0" u="none" strike="noStrike" cap="none">
+            <a:r>
+              <a:rPr lang="ru-RU" sz="1800" b="0" i="0" u="none" strike="noStrike" cap="none" dirty="0" err="1">
+                <a:solidFill>
+                  <a:schemeClr val="dk1"/>
+                </a:solidFill>
+                <a:latin typeface="Calibri"/>
+                <a:ea typeface="Calibri"/>
+                <a:cs typeface="Calibri"/>
+                <a:sym typeface="Calibri"/>
+              </a:rPr>
+              <a:t>getline</a:t>
+            </a:r>
+            <a:r>
+              <a:rPr lang="ru-RU" sz="1800" b="0" i="0" u="none" strike="noStrike" cap="none" dirty="0">
+                <a:solidFill>
+                  <a:schemeClr val="dk1"/>
+                </a:solidFill>
+                <a:latin typeface="Calibri"/>
+                <a:ea typeface="Calibri"/>
+                <a:cs typeface="Calibri"/>
+                <a:sym typeface="Calibri"/>
+              </a:rPr>
+              <a:t> считывает символы из потока ввода и помещает их в строку.</a:t>
+            </a:r>
+            <a:endParaRPr sz="1800" b="0" i="0" u="none" strike="noStrike" cap="none" dirty="0">
               <a:solidFill>
                 <a:schemeClr val="dk1"/>
               </a:solidFill>
@@ -26098,7 +26317,7 @@
               <a:buNone/>
             </a:pPr>
             <a:r>
-              <a:rPr lang="ru-RU" sz="1800" b="1">
+              <a:rPr lang="ru-RU" sz="1800" b="1" dirty="0">
                 <a:latin typeface="Calibri"/>
                 <a:ea typeface="Calibri"/>
                 <a:cs typeface="Calibri"/>
@@ -26106,7 +26325,7 @@
               </a:rPr>
               <a:t>Тема: Исключения и файлы</a:t>
             </a:r>
-            <a:endParaRPr sz="1800" b="0" i="0" u="none" strike="noStrike" cap="none">
+            <a:endParaRPr sz="1800" b="0" i="0" u="none" strike="noStrike" cap="none" dirty="0">
               <a:solidFill>
                 <a:schemeClr val="dk1"/>
               </a:solidFill>
@@ -26129,7 +26348,7 @@
               </a:spcAft>
               <a:buNone/>
             </a:pPr>
-            <a:endParaRPr sz="1800" b="0" i="0" u="none" strike="noStrike" cap="none">
+            <a:endParaRPr sz="1800" b="0" i="0" u="none" strike="noStrike" cap="none" dirty="0">
               <a:solidFill>
                 <a:schemeClr val="dk1"/>
               </a:solidFill>
@@ -26153,7 +26372,7 @@
               <a:buNone/>
             </a:pPr>
             <a:r>
-              <a:rPr lang="ru-RU" sz="1600" b="1" i="0" u="none" strike="noStrike" cap="none">
+              <a:rPr lang="ru-RU" sz="1600" b="1" i="0" u="none" strike="noStrike" cap="none" dirty="0">
                 <a:solidFill>
                   <a:srgbClr val="000000"/>
                 </a:solidFill>
@@ -26164,7 +26383,7 @@
               </a:rPr>
               <a:t>Цели и задачи:</a:t>
             </a:r>
-            <a:endParaRPr sz="1600" b="0" i="0" u="none" strike="noStrike" cap="none">
+            <a:endParaRPr sz="1600" b="0" i="0" u="none" strike="noStrike" cap="none" dirty="0">
               <a:solidFill>
                 <a:schemeClr val="dk1"/>
               </a:solidFill>
@@ -26187,7 +26406,7 @@
               </a:spcAft>
               <a:buNone/>
             </a:pPr>
-            <a:endParaRPr sz="1600" b="0" i="0" u="none" strike="noStrike" cap="none">
+            <a:endParaRPr sz="1600" b="0" i="0" u="none" strike="noStrike" cap="none" dirty="0">
               <a:solidFill>
                 <a:schemeClr val="dk1"/>
               </a:solidFill>
@@ -26216,7 +26435,7 @@
               <a:buChar char="•"/>
             </a:pPr>
             <a:r>
-              <a:rPr lang="ru-RU" sz="1400" b="0" i="0" u="none" strike="noStrike" cap="none">
+              <a:rPr lang="ru-RU" sz="1400" b="0" i="0" u="none" strike="noStrike" cap="none" dirty="0">
                 <a:solidFill>
                   <a:srgbClr val="000000"/>
                 </a:solidFill>
@@ -26225,35 +26444,10 @@
                 <a:cs typeface="Calibri"/>
                 <a:sym typeface="Calibri"/>
               </a:rPr>
-              <a:t> Рассказать о принципе наследования</a:t>
+              <a:t> Рассказать о </a:t>
             </a:r>
-            <a:endParaRPr sz="1400" b="0" i="0" u="none" strike="noStrike" cap="none">
-              <a:solidFill>
-                <a:schemeClr val="dk1"/>
-              </a:solidFill>
-              <a:latin typeface="Arial"/>
-              <a:ea typeface="Arial"/>
-              <a:cs typeface="Arial"/>
-              <a:sym typeface="Arial"/>
-            </a:endParaRPr>
-          </a:p>
-          <a:p>
-            <a:pPr marL="216000" marR="0" lvl="0" indent="-216000" algn="l" rtl="0">
-              <a:spcBef>
-                <a:spcPts val="0"/>
-              </a:spcBef>
-              <a:spcAft>
-                <a:spcPts val="0"/>
-              </a:spcAft>
-              <a:buClr>
-                <a:srgbClr val="000000"/>
-              </a:buClr>
-              <a:buSzPts val="630"/>
-              <a:buFont typeface="Noto Sans Symbols"/>
-              <a:buChar char="●"/>
-            </a:pPr>
             <a:r>
-              <a:rPr lang="ru-RU" sz="1400" b="0" i="0" u="none" strike="noStrike" cap="none">
+              <a:rPr lang="ru-RU" sz="1400" b="0" i="0" u="none" strike="noStrike" cap="none" dirty="0" smtClean="0">
                 <a:solidFill>
                   <a:srgbClr val="000000"/>
                 </a:solidFill>
@@ -26262,33 +26456,84 @@
                 <a:cs typeface="Calibri"/>
                 <a:sym typeface="Calibri"/>
               </a:rPr>
-              <a:t>Рассказать о модификаторах доступа в случае наследования от родительского класса</a:t>
+              <a:t>принципе работы с файлами</a:t>
             </a:r>
-            <a:endParaRPr sz="1400" b="0" i="0" u="none" strike="noStrike" cap="none">
+          </a:p>
+          <a:p>
+            <a:pPr marL="171360" indent="-169920">
+              <a:buSzPts val="1400"/>
+              <a:buFont typeface="Arial"/>
+              <a:buChar char="•"/>
+            </a:pPr>
+            <a:r>
+              <a:rPr lang="ru-RU" dirty="0">
+                <a:latin typeface="Calibri"/>
+                <a:ea typeface="Calibri"/>
+                <a:cs typeface="Calibri"/>
+                <a:sym typeface="Calibri"/>
+              </a:rPr>
+              <a:t> Рассказать о принципе работы с </a:t>
+            </a:r>
+            <a:r>
+              <a:rPr lang="ru-RU" dirty="0" smtClean="0">
+                <a:latin typeface="Calibri"/>
+                <a:ea typeface="Calibri"/>
+                <a:cs typeface="Calibri"/>
+                <a:sym typeface="Calibri"/>
+              </a:rPr>
+              <a:t>исключениями</a:t>
+            </a:r>
+          </a:p>
+          <a:p>
+            <a:pPr marL="171360" indent="-169920">
+              <a:buSzPts val="1400"/>
+              <a:buFont typeface="Arial"/>
+              <a:buChar char="•"/>
+            </a:pPr>
+            <a:r>
+              <a:rPr lang="ru-RU" sz="1400" b="0" i="0" u="none" strike="noStrike" cap="none" dirty="0" smtClean="0">
+                <a:solidFill>
+                  <a:schemeClr val="dk1"/>
+                </a:solidFill>
+                <a:latin typeface="Calibri"/>
+                <a:cs typeface="Calibri"/>
+                <a:sym typeface="Calibri"/>
+              </a:rPr>
+              <a:t>Научиться работать с файловыми потоками</a:t>
+            </a:r>
+          </a:p>
+          <a:p>
+            <a:pPr marL="171360" indent="-169920">
+              <a:buSzPts val="1400"/>
+              <a:buFont typeface="Arial"/>
+              <a:buChar char="•"/>
+            </a:pPr>
+            <a:r>
+              <a:rPr lang="ru-RU" dirty="0" smtClean="0">
+                <a:solidFill>
+                  <a:schemeClr val="dk1"/>
+                </a:solidFill>
+                <a:latin typeface="Calibri"/>
+                <a:ea typeface="Arial"/>
+                <a:cs typeface="Calibri"/>
+                <a:sym typeface="Calibri"/>
+              </a:rPr>
+              <a:t>Научиться работать с ошибками, обрабатывая их с помощью изученных операторов</a:t>
+            </a:r>
+            <a:endParaRPr lang="ru-RU" dirty="0">
               <a:solidFill>
                 <a:schemeClr val="dk1"/>
               </a:solidFill>
-              <a:latin typeface="Arial"/>
-              <a:ea typeface="Arial"/>
-              <a:cs typeface="Arial"/>
-              <a:sym typeface="Arial"/>
             </a:endParaRPr>
           </a:p>
           <a:p>
-            <a:pPr marL="0" marR="0" lvl="0" indent="0" algn="l" rtl="0">
-              <a:lnSpc>
-                <a:spcPct val="100000"/>
-              </a:lnSpc>
-              <a:spcBef>
-                <a:spcPts val="0"/>
-              </a:spcBef>
-              <a:spcAft>
-                <a:spcPts val="0"/>
-              </a:spcAft>
-              <a:buNone/>
+            <a:pPr marL="171360" indent="-169920">
+              <a:buSzPts val="1400"/>
+              <a:buFont typeface="Arial"/>
+              <a:buChar char="•"/>
             </a:pPr>
             <a:r>
-              <a:rPr lang="ru-RU" sz="1800" b="0" i="0" u="none" strike="noStrike" cap="none">
+              <a:rPr lang="ru-RU" sz="1800" b="0" i="0" u="none" strike="noStrike" cap="none" dirty="0">
                 <a:solidFill>
                   <a:schemeClr val="dk1"/>
                 </a:solidFill>
@@ -26300,7 +26545,7 @@
               <a:t/>
             </a:r>
             <a:br>
-              <a:rPr lang="ru-RU" sz="1800" b="0" i="0" u="none" strike="noStrike" cap="none">
+              <a:rPr lang="ru-RU" sz="1800" b="0" i="0" u="none" strike="noStrike" cap="none" dirty="0">
                 <a:solidFill>
                   <a:schemeClr val="dk1"/>
                 </a:solidFill>
@@ -26311,7 +26556,7 @@
               </a:rPr>
             </a:br>
             <a:r>
-              <a:rPr lang="ru-RU" sz="1600" b="1" i="0" u="none" strike="noStrike" cap="none">
+              <a:rPr lang="ru-RU" sz="1600" b="1" i="0" u="none" strike="noStrike" cap="none" dirty="0">
                 <a:solidFill>
                   <a:srgbClr val="000000"/>
                 </a:solidFill>
@@ -26322,7 +26567,7 @@
               </a:rPr>
               <a:t>По результатам занятия слушатель будет знать: </a:t>
             </a:r>
-            <a:endParaRPr sz="1600" b="0" i="0" u="none" strike="noStrike" cap="none">
+            <a:endParaRPr sz="1600" b="0" i="0" u="none" strike="noStrike" cap="none" dirty="0">
               <a:solidFill>
                 <a:schemeClr val="dk1"/>
               </a:solidFill>
@@ -26345,7 +26590,7 @@
               </a:spcAft>
               <a:buNone/>
             </a:pPr>
-            <a:endParaRPr sz="1600" b="0" i="0" u="none" strike="noStrike" cap="none">
+            <a:endParaRPr sz="1600" b="0" i="0" u="none" strike="noStrike" cap="none" dirty="0">
               <a:solidFill>
                 <a:schemeClr val="dk1"/>
               </a:solidFill>
@@ -26374,7 +26619,43 @@
               <a:buChar char="•"/>
             </a:pPr>
             <a:r>
-              <a:rPr lang="ru-RU" sz="1400" b="0" i="0" u="none" strike="noStrike" cap="none">
+              <a:rPr lang="ru-RU" dirty="0" smtClean="0">
+                <a:latin typeface="Calibri"/>
+                <a:cs typeface="Calibri"/>
+                <a:sym typeface="Calibri"/>
+              </a:rPr>
+              <a:t>В чём принципиальное отличие файлового потока от </a:t>
+            </a:r>
+            <a:r>
+              <a:rPr lang="ru-RU" dirty="0" err="1" smtClean="0">
+                <a:latin typeface="Calibri"/>
+                <a:cs typeface="Calibri"/>
+                <a:sym typeface="Calibri"/>
+              </a:rPr>
+              <a:t>стандратного</a:t>
+            </a:r>
+            <a:endParaRPr dirty="0"/>
+          </a:p>
+          <a:p>
+            <a:pPr marL="171360" marR="0" lvl="0" indent="-169920" algn="l" rtl="0">
+              <a:lnSpc>
+                <a:spcPct val="100000"/>
+              </a:lnSpc>
+              <a:spcBef>
+                <a:spcPts val="0"/>
+              </a:spcBef>
+              <a:spcAft>
+                <a:spcPts val="0"/>
+              </a:spcAft>
+              <a:buClr>
+                <a:srgbClr val="000000"/>
+              </a:buClr>
+              <a:buSzPts val="1400"/>
+              <a:buFont typeface="Arial"/>
+              <a:buChar char="•"/>
+            </a:pPr>
+            <a:r>
+              <a:rPr lang="ru-RU" sz="1400" b="0" i="0" u="none" strike="noStrike" cap="none" dirty="0">
                 <a:solidFill>
                   <a:srgbClr val="000000"/>
                 </a:solidFill>
@@ -26383,30 +26664,10 @@
                 <a:cs typeface="Calibri"/>
                 <a:sym typeface="Calibri"/>
               </a:rPr>
-              <a:t>Принцип наследования в ООП</a:t>
+              <a:t>Как использовать </a:t>
             </a:r>
-            <a:endParaRPr/>
-          </a:p>
-          <a:p>
-            <a:pPr marL="171360" marR="0" lvl="0" indent="-169920" algn="l" rtl="0">
-              <a:lnSpc>
-                <a:spcPct val="100000"/>
-              </a:lnSpc>
-              <a:spcBef>
-                <a:spcPts val="0"/>
-              </a:spcBef>
-              <a:spcAft>
-                <a:spcPts val="0"/>
-              </a:spcAft>
-              <a:buClr>
-                <a:srgbClr val="000000"/>
-              </a:buClr>
-              <a:buSzPts val="1400"/>
-              <a:buFont typeface="Arial"/>
-              <a:buChar char="•"/>
-            </a:pPr>
             <a:r>
-              <a:rPr lang="ru-RU" sz="1400" b="0" i="0" u="none" strike="noStrike" cap="none">
+              <a:rPr lang="ru-RU" sz="1400" b="0" i="0" u="none" strike="noStrike" cap="none" dirty="0" smtClean="0">
                 <a:solidFill>
                   <a:srgbClr val="000000"/>
                 </a:solidFill>
@@ -26415,9 +26676,9 @@
                 <a:cs typeface="Calibri"/>
                 <a:sym typeface="Calibri"/>
               </a:rPr>
-              <a:t>Как использовать полиморфизм для взаимодействия объектов класса между собой и не только</a:t>
+              <a:t>механизмы исключений</a:t>
             </a:r>
-            <a:endParaRPr sz="1400" b="0" i="0" u="none" strike="noStrike" cap="none">
+            <a:endParaRPr sz="1400" b="0" i="0" u="none" strike="noStrike" cap="none" dirty="0">
               <a:solidFill>
                 <a:schemeClr val="dk1"/>
               </a:solidFill>
@@ -31746,7 +32007,7 @@
               <a:buNone/>
             </a:pPr>
             <a:r>
-              <a:rPr lang="ru-RU" sz="1800" b="0" i="0" u="none" strike="noStrike" cap="none">
+              <a:rPr lang="ru-RU" sz="1800" b="0" i="0" u="none" strike="noStrike" cap="none" dirty="0">
                 <a:solidFill>
                   <a:schemeClr val="dk1"/>
                 </a:solidFill>
@@ -31755,9 +32016,57 @@
                 <a:cs typeface="Calibri"/>
                 <a:sym typeface="Calibri"/>
               </a:rPr>
-              <a:t>Может использоваться множество выражений catch для обработки различных исключений в случае, если множество исключений было сгенерировано блоком try.</a:t>
+              <a:t>Может использоваться множество выражений </a:t>
             </a:r>
-            <a:endParaRPr sz="1800" b="0" i="0" u="none" strike="noStrike" cap="none">
+            <a:r>
+              <a:rPr lang="ru-RU" sz="1800" b="0" i="0" u="none" strike="noStrike" cap="none" dirty="0" err="1">
+                <a:solidFill>
+                  <a:schemeClr val="dk1"/>
+                </a:solidFill>
+                <a:latin typeface="Calibri"/>
+                <a:ea typeface="Calibri"/>
+                <a:cs typeface="Calibri"/>
+                <a:sym typeface="Calibri"/>
+              </a:rPr>
+              <a:t>catch</a:t>
+            </a:r>
+            <a:r>
+              <a:rPr lang="ru-RU" sz="1800" b="0" i="0" u="none" strike="noStrike" cap="none" dirty="0">
+                <a:solidFill>
+                  <a:schemeClr val="dk1"/>
+                </a:solidFill>
+                <a:latin typeface="Calibri"/>
+                <a:ea typeface="Calibri"/>
+                <a:cs typeface="Calibri"/>
+                <a:sym typeface="Calibri"/>
+              </a:rPr>
+              <a:t> для обработки различных исключений в случае, если множество исключений было сгенерировано блоком </a:t>
+            </a:r>
+            <a:r>
+              <a:rPr lang="ru-RU" sz="1800" b="0" i="0" u="none" strike="noStrike" cap="none" dirty="0" err="1">
+                <a:solidFill>
+                  <a:schemeClr val="dk1"/>
+                </a:solidFill>
+                <a:latin typeface="Calibri"/>
+                <a:ea typeface="Calibri"/>
+                <a:cs typeface="Calibri"/>
+                <a:sym typeface="Calibri"/>
+              </a:rPr>
+              <a:t>try</a:t>
+            </a:r>
+            <a:r>
+              <a:rPr lang="ru-RU" sz="1800" b="0" i="0" u="none" strike="noStrike" cap="none" dirty="0">
+                <a:solidFill>
+                  <a:schemeClr val="dk1"/>
+                </a:solidFill>
+                <a:latin typeface="Calibri"/>
+                <a:ea typeface="Calibri"/>
+                <a:cs typeface="Calibri"/>
+                <a:sym typeface="Calibri"/>
+              </a:rPr>
+              <a:t>.</a:t>
+            </a:r>
+            <a:endParaRPr sz="1800" b="0" i="0" u="none" strike="noStrike" cap="none" dirty="0">
               <a:solidFill>
                 <a:schemeClr val="dk1"/>
               </a:solidFill>
@@ -31780,7 +32089,7 @@
               </a:spcAft>
               <a:buNone/>
             </a:pPr>
-            <a:endParaRPr sz="1800" b="0" i="0" u="none" strike="noStrike" cap="none">
+            <a:endParaRPr sz="1800" b="0" i="0" u="none" strike="noStrike" cap="none" dirty="0">
               <a:solidFill>
                 <a:schemeClr val="dk1"/>
               </a:solidFill>
@@ -31804,7 +32113,7 @@
               <a:buNone/>
             </a:pPr>
             <a:r>
-              <a:rPr lang="ru-RU" sz="1800" b="0" i="0" u="none" strike="noStrike" cap="none">
+              <a:rPr lang="ru-RU" sz="1800" b="0" i="0" u="none" strike="noStrike" cap="none" dirty="0">
                 <a:solidFill>
                   <a:schemeClr val="dk1"/>
                 </a:solidFill>
@@ -31813,9 +32122,81 @@
                 <a:cs typeface="Calibri"/>
                 <a:sym typeface="Calibri"/>
               </a:rPr>
-              <a:t>Можно указать, что блок catch обрабатывает любой тип сгенерированного исключения в блоке try. Чтобы так сделать, добавьте многоточие (...) в скобках блока catch:</a:t>
+              <a:t>Можно указать, что блок </a:t>
             </a:r>
-            <a:endParaRPr sz="1800" b="0" i="0" u="none" strike="noStrike" cap="none">
+            <a:r>
+              <a:rPr lang="ru-RU" sz="1800" b="0" i="0" u="none" strike="noStrike" cap="none" dirty="0" err="1">
+                <a:solidFill>
+                  <a:schemeClr val="dk1"/>
+                </a:solidFill>
+                <a:latin typeface="Calibri"/>
+                <a:ea typeface="Calibri"/>
+                <a:cs typeface="Calibri"/>
+                <a:sym typeface="Calibri"/>
+              </a:rPr>
+              <a:t>catch</a:t>
+            </a:r>
+            <a:r>
+              <a:rPr lang="ru-RU" sz="1800" b="0" i="0" u="none" strike="noStrike" cap="none" dirty="0">
+                <a:solidFill>
+                  <a:schemeClr val="dk1"/>
+                </a:solidFill>
+                <a:latin typeface="Calibri"/>
+                <a:ea typeface="Calibri"/>
+                <a:cs typeface="Calibri"/>
+                <a:sym typeface="Calibri"/>
+              </a:rPr>
+              <a:t> обрабатывает любой тип сгенерированного исключения в блоке </a:t>
+            </a:r>
+            <a:r>
+              <a:rPr lang="ru-RU" sz="1800" b="0" i="0" u="none" strike="noStrike" cap="none" dirty="0" err="1">
+                <a:solidFill>
+                  <a:schemeClr val="dk1"/>
+                </a:solidFill>
+                <a:latin typeface="Calibri"/>
+                <a:ea typeface="Calibri"/>
+                <a:cs typeface="Calibri"/>
+                <a:sym typeface="Calibri"/>
+              </a:rPr>
+              <a:t>try</a:t>
+            </a:r>
+            <a:r>
+              <a:rPr lang="ru-RU" sz="1800" b="0" i="0" u="none" strike="noStrike" cap="none" dirty="0">
+                <a:solidFill>
+                  <a:schemeClr val="dk1"/>
+                </a:solidFill>
+                <a:latin typeface="Calibri"/>
+                <a:ea typeface="Calibri"/>
+                <a:cs typeface="Calibri"/>
+                <a:sym typeface="Calibri"/>
+              </a:rPr>
+              <a:t>. Чтобы так сделать, добавьте многоточие (...) в скобках блока </a:t>
+            </a:r>
+            <a:r>
+              <a:rPr lang="ru-RU" sz="1800" b="0" i="0" u="none" strike="noStrike" cap="none" dirty="0" err="1">
+                <a:solidFill>
+                  <a:schemeClr val="dk1"/>
+                </a:solidFill>
+                <a:latin typeface="Calibri"/>
+                <a:ea typeface="Calibri"/>
+                <a:cs typeface="Calibri"/>
+                <a:sym typeface="Calibri"/>
+              </a:rPr>
+              <a:t>catch</a:t>
+            </a:r>
+            <a:r>
+              <a:rPr lang="ru-RU" sz="1800" b="0" i="0" u="none" strike="noStrike" cap="none" dirty="0">
+                <a:solidFill>
+                  <a:schemeClr val="dk1"/>
+                </a:solidFill>
+                <a:latin typeface="Calibri"/>
+                <a:ea typeface="Calibri"/>
+                <a:cs typeface="Calibri"/>
+                <a:sym typeface="Calibri"/>
+              </a:rPr>
+              <a:t>:</a:t>
+            </a:r>
+            <a:endParaRPr sz="1800" b="0" i="0" u="none" strike="noStrike" cap="none" dirty="0">
               <a:solidFill>
                 <a:schemeClr val="dk1"/>
               </a:solidFill>
@@ -32343,7 +32724,7 @@
               <a:buNone/>
             </a:pPr>
             <a:r>
-              <a:rPr lang="ru-RU" sz="1800" b="1" i="0" u="none" strike="noStrike" cap="none">
+              <a:rPr lang="ru-RU" sz="1800" b="1" i="0" u="none" strike="noStrike" cap="none" dirty="0">
                 <a:solidFill>
                   <a:schemeClr val="dk1"/>
                 </a:solidFill>
@@ -32354,7 +32735,7 @@
               </a:rPr>
               <a:t>Работа с файлами </a:t>
             </a:r>
-            <a:endParaRPr/>
+            <a:endParaRPr dirty="0"/>
           </a:p>
           <a:p>
             <a:pPr marL="0" marR="0" lvl="0" indent="0" algn="l" rtl="0">
@@ -32370,7 +32751,7 @@
               <a:buNone/>
             </a:pPr>
             <a:r>
-              <a:rPr lang="ru-RU" sz="1800" b="0" i="0" u="none" strike="noStrike" cap="none">
+              <a:rPr lang="ru-RU" sz="1800" b="0" i="0" u="none" strike="noStrike" cap="none" dirty="0">
                 <a:solidFill>
                   <a:schemeClr val="dk1"/>
                 </a:solidFill>
@@ -32381,7 +32762,7 @@
               </a:rPr>
               <a:t> </a:t>
             </a:r>
-            <a:endParaRPr/>
+            <a:endParaRPr dirty="0"/>
           </a:p>
           <a:p>
             <a:pPr marL="0" marR="0" lvl="0" indent="0" algn="l" rtl="0">
@@ -32397,7 +32778,7 @@
               <a:buNone/>
             </a:pPr>
             <a:r>
-              <a:rPr lang="ru-RU" sz="1800" b="0" i="0" u="none" strike="noStrike" cap="none">
+              <a:rPr lang="ru-RU" sz="1800" b="0" i="0" u="none" strike="noStrike" cap="none" dirty="0">
                 <a:solidFill>
                   <a:schemeClr val="dk1"/>
                 </a:solidFill>
@@ -32406,223 +32787,10 @@
                 <a:cs typeface="Calibri"/>
                 <a:sym typeface="Calibri"/>
               </a:rPr>
-              <a:t>Другой полезной особенностью языка C++ является возможность считывать с файла и записывать в файл. Для этого необходима стандартная библиотека C++, которая называется fstream. </a:t>
-            </a:r>
-            <a:endParaRPr/>
-          </a:p>
-          <a:p>
-            <a:pPr marL="0" marR="0" lvl="0" indent="0" algn="l" rtl="0">
-              <a:lnSpc>
-                <a:spcPct val="100000"/>
-              </a:lnSpc>
-              <a:spcBef>
-                <a:spcPts val="0"/>
-              </a:spcBef>
-              <a:spcAft>
-                <a:spcPts val="0"/>
-              </a:spcAft>
-              <a:buNone/>
-            </a:pPr>
-            <a:r>
-              <a:rPr lang="ru-RU" sz="1800" b="0" i="0" u="none" strike="noStrike" cap="none">
-                <a:solidFill>
-                  <a:schemeClr val="dk1"/>
-                </a:solidFill>
-                <a:latin typeface="Calibri"/>
-                <a:ea typeface="Calibri"/>
-                <a:cs typeface="Calibri"/>
-                <a:sym typeface="Calibri"/>
-              </a:rPr>
-              <a:t>Три новых типа данных определены в fstream: </a:t>
-            </a:r>
-            <a:endParaRPr sz="1800" b="0" i="0" u="none" strike="noStrike" cap="none">
-              <a:solidFill>
-                <a:schemeClr val="dk1"/>
-              </a:solidFill>
-              <a:latin typeface="Calibri"/>
-              <a:ea typeface="Calibri"/>
-              <a:cs typeface="Calibri"/>
-              <a:sym typeface="Calibri"/>
-            </a:endParaRPr>
-          </a:p>
-          <a:p>
-            <a:pPr marL="0" marR="0" lvl="0" indent="0" algn="l" rtl="0">
-              <a:lnSpc>
-                <a:spcPct val="100000"/>
-              </a:lnSpc>
-              <a:spcBef>
-                <a:spcPts val="0"/>
-              </a:spcBef>
-              <a:spcAft>
-                <a:spcPts val="0"/>
-              </a:spcAft>
-              <a:buNone/>
-            </a:pPr>
-            <a:endParaRPr sz="1800" b="0" i="0" u="none" strike="noStrike" cap="none">
-              <a:solidFill>
-                <a:schemeClr val="dk1"/>
-              </a:solidFill>
-              <a:latin typeface="Calibri"/>
-              <a:ea typeface="Calibri"/>
-              <a:cs typeface="Calibri"/>
-              <a:sym typeface="Calibri"/>
-            </a:endParaRPr>
-          </a:p>
-          <a:p>
-            <a:pPr marL="0" marR="0" lvl="0" indent="0" algn="l" rtl="0">
-              <a:lnSpc>
-                <a:spcPct val="100000"/>
-              </a:lnSpc>
-              <a:spcBef>
-                <a:spcPts val="0"/>
-              </a:spcBef>
-              <a:spcAft>
-                <a:spcPts val="0"/>
-              </a:spcAft>
-              <a:buNone/>
-            </a:pPr>
-            <a:r>
-              <a:rPr lang="ru-RU" sz="1800" b="1" i="0" u="none" strike="noStrike" cap="none">
-                <a:solidFill>
-                  <a:schemeClr val="dk1"/>
-                </a:solidFill>
-                <a:latin typeface="Calibri"/>
-                <a:ea typeface="Calibri"/>
-                <a:cs typeface="Calibri"/>
-                <a:sym typeface="Calibri"/>
-              </a:rPr>
-              <a:t>ofstream: </a:t>
+              <a:t>Другой полезной особенностью языка C++ является возможность считывать с файла и записывать в файл. Для этого необходима стандартная библиотека C++, которая называется </a:t>
             </a:r>
             <a:r>
-              <a:rPr lang="ru-RU" sz="1800" b="0" i="0" u="none" strike="noStrike" cap="none">
-                <a:solidFill>
-                  <a:schemeClr val="dk1"/>
-                </a:solidFill>
-                <a:latin typeface="Calibri"/>
-                <a:ea typeface="Calibri"/>
-                <a:cs typeface="Calibri"/>
-                <a:sym typeface="Calibri"/>
-              </a:rPr>
-              <a:t>Класс выходных файловых потоков (создает и записывает информацию в файлы). </a:t>
-            </a:r>
-            <a:endParaRPr sz="1800" b="0" i="0" u="none" strike="noStrike" cap="none">
-              <a:solidFill>
-                <a:schemeClr val="dk1"/>
-              </a:solidFill>
-              <a:latin typeface="Calibri"/>
-              <a:ea typeface="Calibri"/>
-              <a:cs typeface="Calibri"/>
-              <a:sym typeface="Calibri"/>
-            </a:endParaRPr>
-          </a:p>
-          <a:p>
-            <a:pPr marL="0" marR="0" lvl="0" indent="0" algn="l" rtl="0">
-              <a:lnSpc>
-                <a:spcPct val="100000"/>
-              </a:lnSpc>
-              <a:spcBef>
-                <a:spcPts val="0"/>
-              </a:spcBef>
-              <a:spcAft>
-                <a:spcPts val="0"/>
-              </a:spcAft>
-              <a:buNone/>
-            </a:pPr>
-            <a:endParaRPr sz="1800" b="0" i="0" u="none" strike="noStrike" cap="none">
-              <a:solidFill>
-                <a:schemeClr val="dk1"/>
-              </a:solidFill>
-              <a:latin typeface="Calibri"/>
-              <a:ea typeface="Calibri"/>
-              <a:cs typeface="Calibri"/>
-              <a:sym typeface="Calibri"/>
-            </a:endParaRPr>
-          </a:p>
-          <a:p>
-            <a:pPr marL="0" marR="0" lvl="0" indent="0" algn="l" rtl="0">
-              <a:lnSpc>
-                <a:spcPct val="100000"/>
-              </a:lnSpc>
-              <a:spcBef>
-                <a:spcPts val="0"/>
-              </a:spcBef>
-              <a:spcAft>
-                <a:spcPts val="0"/>
-              </a:spcAft>
-              <a:buNone/>
-            </a:pPr>
-            <a:r>
-              <a:rPr lang="ru-RU" sz="1800" b="1" i="0" u="none" strike="noStrike" cap="none">
-                <a:solidFill>
-                  <a:schemeClr val="dk1"/>
-                </a:solidFill>
-                <a:latin typeface="Calibri"/>
-                <a:ea typeface="Calibri"/>
-                <a:cs typeface="Calibri"/>
-                <a:sym typeface="Calibri"/>
-              </a:rPr>
-              <a:t>ifstream: </a:t>
-            </a:r>
-            <a:r>
-              <a:rPr lang="ru-RU" sz="1800" b="0" i="0" u="none" strike="noStrike" cap="none">
-                <a:solidFill>
-                  <a:schemeClr val="dk1"/>
-                </a:solidFill>
-                <a:latin typeface="Calibri"/>
-                <a:ea typeface="Calibri"/>
-                <a:cs typeface="Calibri"/>
-                <a:sym typeface="Calibri"/>
-              </a:rPr>
-              <a:t>Класс входных файловых потоков (читает информацию из файлов). </a:t>
-            </a:r>
-            <a:endParaRPr sz="1800" b="0" i="0" u="none" strike="noStrike" cap="none">
-              <a:solidFill>
-                <a:schemeClr val="dk1"/>
-              </a:solidFill>
-              <a:latin typeface="Calibri"/>
-              <a:ea typeface="Calibri"/>
-              <a:cs typeface="Calibri"/>
-              <a:sym typeface="Calibri"/>
-            </a:endParaRPr>
-          </a:p>
-          <a:p>
-            <a:pPr marL="0" marR="0" lvl="0" indent="0" algn="l" rtl="0">
-              <a:lnSpc>
-                <a:spcPct val="100000"/>
-              </a:lnSpc>
-              <a:spcBef>
-                <a:spcPts val="0"/>
-              </a:spcBef>
-              <a:spcAft>
-                <a:spcPts val="0"/>
-              </a:spcAft>
-              <a:buNone/>
-            </a:pPr>
-            <a:endParaRPr sz="1800" b="0" i="0" u="none" strike="noStrike" cap="none">
-              <a:solidFill>
-                <a:schemeClr val="dk1"/>
-              </a:solidFill>
-              <a:latin typeface="Calibri"/>
-              <a:ea typeface="Calibri"/>
-              <a:cs typeface="Calibri"/>
-              <a:sym typeface="Calibri"/>
-            </a:endParaRPr>
-          </a:p>
-          <a:p>
-            <a:pPr marL="0" marR="0" lvl="0" indent="0" algn="l" rtl="0">
-              <a:lnSpc>
-                <a:spcPct val="100000"/>
-              </a:lnSpc>
-              <a:spcBef>
-                <a:spcPts val="0"/>
-              </a:spcBef>
-              <a:spcAft>
-                <a:spcPts val="0"/>
-              </a:spcAft>
-              <a:buNone/>
-            </a:pPr>
-            <a:r>
-              <a:rPr lang="ru-RU" sz="1800" b="1" i="0" u="none" strike="noStrike" cap="none">
+              <a:rPr lang="ru-RU" sz="1800" b="0" i="0" u="none" strike="noStrike" cap="none" dirty="0" err="1">
                 <a:solidFill>
                   <a:schemeClr val="dk1"/>
                 </a:solidFill>
@@ -32634,7 +32802,292 @@
               <a:t>fstream</a:t>
             </a:r>
             <a:r>
-              <a:rPr lang="ru-RU" sz="1800" b="0" i="0" u="none" strike="noStrike" cap="none">
+              <a:rPr lang="ru-RU" sz="1800" b="0" i="0" u="none" strike="noStrike" cap="none" dirty="0">
+                <a:solidFill>
+                  <a:schemeClr val="dk1"/>
+                </a:solidFill>
+                <a:latin typeface="Calibri"/>
+                <a:ea typeface="Calibri"/>
+                <a:cs typeface="Calibri"/>
+                <a:sym typeface="Calibri"/>
+              </a:rPr>
+              <a:t>. </a:t>
+            </a:r>
+            <a:endParaRPr dirty="0"/>
+          </a:p>
+          <a:p>
+            <a:pPr marL="0" marR="0" lvl="0" indent="0" algn="l" rtl="0">
+              <a:lnSpc>
+                <a:spcPct val="100000"/>
+              </a:lnSpc>
+              <a:spcBef>
+                <a:spcPts val="0"/>
+              </a:spcBef>
+              <a:spcAft>
+                <a:spcPts val="0"/>
+              </a:spcAft>
+              <a:buNone/>
+            </a:pPr>
+            <a:r>
+              <a:rPr lang="ru-RU" sz="1800" b="0" i="0" u="none" strike="noStrike" cap="none" dirty="0">
+                <a:solidFill>
+                  <a:schemeClr val="dk1"/>
+                </a:solidFill>
+                <a:latin typeface="Calibri"/>
+                <a:ea typeface="Calibri"/>
+                <a:cs typeface="Calibri"/>
+                <a:sym typeface="Calibri"/>
+              </a:rPr>
+              <a:t>Три новых типа данных определены в </a:t>
+            </a:r>
+            <a:r>
+              <a:rPr lang="ru-RU" sz="1800" b="0" i="0" u="none" strike="noStrike" cap="none" dirty="0" err="1">
+                <a:solidFill>
+                  <a:schemeClr val="dk1"/>
+                </a:solidFill>
+                <a:latin typeface="Calibri"/>
+                <a:ea typeface="Calibri"/>
+                <a:cs typeface="Calibri"/>
+                <a:sym typeface="Calibri"/>
+              </a:rPr>
+              <a:t>fstream</a:t>
+            </a:r>
+            <a:r>
+              <a:rPr lang="ru-RU" sz="1800" b="0" i="0" u="none" strike="noStrike" cap="none" dirty="0">
+                <a:solidFill>
+                  <a:schemeClr val="dk1"/>
+                </a:solidFill>
+                <a:latin typeface="Calibri"/>
+                <a:ea typeface="Calibri"/>
+                <a:cs typeface="Calibri"/>
+                <a:sym typeface="Calibri"/>
+              </a:rPr>
+              <a:t>: </a:t>
+            </a:r>
+            <a:endParaRPr sz="1800" b="0" i="0" u="none" strike="noStrike" cap="none" dirty="0">
+              <a:solidFill>
+                <a:schemeClr val="dk1"/>
+              </a:solidFill>
+              <a:latin typeface="Calibri"/>
+              <a:ea typeface="Calibri"/>
+              <a:cs typeface="Calibri"/>
+              <a:sym typeface="Calibri"/>
+            </a:endParaRPr>
+          </a:p>
+          <a:p>
+            <a:pPr marL="0" marR="0" lvl="0" indent="0" algn="l" rtl="0">
+              <a:lnSpc>
+                <a:spcPct val="100000"/>
+              </a:lnSpc>
+              <a:spcBef>
+                <a:spcPts val="0"/>
+              </a:spcBef>
+              <a:spcAft>
+                <a:spcPts val="0"/>
+              </a:spcAft>
+              <a:buNone/>
+            </a:pPr>
+            <a:endParaRPr sz="1800" b="0" i="0" u="none" strike="noStrike" cap="none" dirty="0">
+              <a:solidFill>
+                <a:schemeClr val="dk1"/>
+              </a:solidFill>
+              <a:latin typeface="Calibri"/>
+              <a:ea typeface="Calibri"/>
+              <a:cs typeface="Calibri"/>
+              <a:sym typeface="Calibri"/>
+            </a:endParaRPr>
+          </a:p>
+          <a:p>
+            <a:pPr marL="0" marR="0" lvl="0" indent="0" algn="l" rtl="0">
+              <a:lnSpc>
+                <a:spcPct val="100000"/>
+              </a:lnSpc>
+              <a:spcBef>
+                <a:spcPts val="0"/>
+              </a:spcBef>
+              <a:spcAft>
+                <a:spcPts val="0"/>
+              </a:spcAft>
+              <a:buNone/>
+            </a:pPr>
+            <a:r>
+              <a:rPr lang="ru-RU" sz="1800" b="1" i="0" u="none" strike="noStrike" cap="none" dirty="0" err="1">
+                <a:solidFill>
+                  <a:schemeClr val="dk1"/>
+                </a:solidFill>
+                <a:latin typeface="Calibri"/>
+                <a:ea typeface="Calibri"/>
+                <a:cs typeface="Calibri"/>
+                <a:sym typeface="Calibri"/>
+              </a:rPr>
+              <a:t>ofstream</a:t>
+            </a:r>
+            <a:r>
+              <a:rPr lang="ru-RU" sz="1800" b="1" i="0" u="none" strike="noStrike" cap="none" dirty="0">
+                <a:solidFill>
+                  <a:schemeClr val="dk1"/>
+                </a:solidFill>
+                <a:latin typeface="Calibri"/>
+                <a:ea typeface="Calibri"/>
+                <a:cs typeface="Calibri"/>
+                <a:sym typeface="Calibri"/>
+              </a:rPr>
+              <a:t>: </a:t>
+            </a:r>
+            <a:r>
+              <a:rPr lang="ru-RU" sz="1800" b="0" i="0" u="none" strike="noStrike" cap="none" dirty="0">
+                <a:solidFill>
+                  <a:schemeClr val="dk1"/>
+                </a:solidFill>
+                <a:latin typeface="Calibri"/>
+                <a:ea typeface="Calibri"/>
+                <a:cs typeface="Calibri"/>
+                <a:sym typeface="Calibri"/>
+              </a:rPr>
+              <a:t>Класс выходных файловых потоков (создает и записывает информацию в файлы). </a:t>
+            </a:r>
+            <a:endParaRPr sz="1800" b="0" i="0" u="none" strike="noStrike" cap="none" dirty="0">
+              <a:solidFill>
+                <a:schemeClr val="dk1"/>
+              </a:solidFill>
+              <a:latin typeface="Calibri"/>
+              <a:ea typeface="Calibri"/>
+              <a:cs typeface="Calibri"/>
+              <a:sym typeface="Calibri"/>
+            </a:endParaRPr>
+          </a:p>
+          <a:p>
+            <a:pPr marL="0" marR="0" lvl="0" indent="0" algn="l" rtl="0">
+              <a:lnSpc>
+                <a:spcPct val="100000"/>
+              </a:lnSpc>
+              <a:spcBef>
+                <a:spcPts val="0"/>
+              </a:spcBef>
+              <a:spcAft>
+                <a:spcPts val="0"/>
+              </a:spcAft>
+              <a:buNone/>
+            </a:pPr>
+            <a:endParaRPr sz="1800" b="0" i="0" u="none" strike="noStrike" cap="none" dirty="0">
+              <a:solidFill>
+                <a:schemeClr val="dk1"/>
+              </a:solidFill>
+              <a:latin typeface="Calibri"/>
+              <a:ea typeface="Calibri"/>
+              <a:cs typeface="Calibri"/>
+              <a:sym typeface="Calibri"/>
+            </a:endParaRPr>
+          </a:p>
+          <a:p>
+            <a:pPr marL="0" marR="0" lvl="0" indent="0" algn="l" rtl="0">
+              <a:lnSpc>
+                <a:spcPct val="100000"/>
+              </a:lnSpc>
+              <a:spcBef>
+                <a:spcPts val="0"/>
+              </a:spcBef>
+              <a:spcAft>
+                <a:spcPts val="0"/>
+              </a:spcAft>
+              <a:buNone/>
+            </a:pPr>
+            <a:r>
+              <a:rPr lang="ru-RU" sz="1800" b="1" i="0" u="none" strike="noStrike" cap="none" dirty="0" err="1">
+                <a:solidFill>
+                  <a:schemeClr val="dk1"/>
+                </a:solidFill>
+                <a:latin typeface="Calibri"/>
+                <a:ea typeface="Calibri"/>
+                <a:cs typeface="Calibri"/>
+                <a:sym typeface="Calibri"/>
+              </a:rPr>
+              <a:t>ifstream</a:t>
+            </a:r>
+            <a:r>
+              <a:rPr lang="ru-RU" sz="1800" b="1" i="0" u="none" strike="noStrike" cap="none" dirty="0">
+                <a:solidFill>
+                  <a:schemeClr val="dk1"/>
+                </a:solidFill>
+                <a:latin typeface="Calibri"/>
+                <a:ea typeface="Calibri"/>
+                <a:cs typeface="Calibri"/>
+                <a:sym typeface="Calibri"/>
+              </a:rPr>
+              <a:t>: </a:t>
+            </a:r>
+            <a:r>
+              <a:rPr lang="ru-RU" sz="1800" b="0" i="0" u="none" strike="noStrike" cap="none" dirty="0">
+                <a:solidFill>
+                  <a:schemeClr val="dk1"/>
+                </a:solidFill>
+                <a:latin typeface="Calibri"/>
+                <a:ea typeface="Calibri"/>
+                <a:cs typeface="Calibri"/>
+                <a:sym typeface="Calibri"/>
+              </a:rPr>
+              <a:t>Класс входных файловых потоков (читает информацию из файлов). </a:t>
+            </a:r>
+            <a:endParaRPr sz="1800" b="0" i="0" u="none" strike="noStrike" cap="none" dirty="0">
+              <a:solidFill>
+                <a:schemeClr val="dk1"/>
+              </a:solidFill>
+              <a:latin typeface="Calibri"/>
+              <a:ea typeface="Calibri"/>
+              <a:cs typeface="Calibri"/>
+              <a:sym typeface="Calibri"/>
+            </a:endParaRPr>
+          </a:p>
+          <a:p>
+            <a:pPr marL="0" marR="0" lvl="0" indent="0" algn="l" rtl="0">
+              <a:lnSpc>
+                <a:spcPct val="100000"/>
+              </a:lnSpc>
+              <a:spcBef>
+                <a:spcPts val="0"/>
+              </a:spcBef>
+              <a:spcAft>
+                <a:spcPts val="0"/>
+              </a:spcAft>
+              <a:buNone/>
+            </a:pPr>
+            <a:endParaRPr sz="1800" b="0" i="0" u="none" strike="noStrike" cap="none" dirty="0">
+              <a:solidFill>
+                <a:schemeClr val="dk1"/>
+              </a:solidFill>
+              <a:latin typeface="Calibri"/>
+              <a:ea typeface="Calibri"/>
+              <a:cs typeface="Calibri"/>
+              <a:sym typeface="Calibri"/>
+            </a:endParaRPr>
+          </a:p>
+          <a:p>
+            <a:pPr marL="0" marR="0" lvl="0" indent="0" algn="l" rtl="0">
+              <a:lnSpc>
+                <a:spcPct val="100000"/>
+              </a:lnSpc>
+              <a:spcBef>
+                <a:spcPts val="0"/>
+              </a:spcBef>
+              <a:spcAft>
+                <a:spcPts val="0"/>
+              </a:spcAft>
+              <a:buNone/>
+            </a:pPr>
+            <a:r>
+              <a:rPr lang="ru-RU" sz="1800" b="1" i="0" u="none" strike="noStrike" cap="none" dirty="0" err="1">
+                <a:solidFill>
+                  <a:schemeClr val="dk1"/>
+                </a:solidFill>
+                <a:latin typeface="Calibri"/>
+                <a:ea typeface="Calibri"/>
+                <a:cs typeface="Calibri"/>
+                <a:sym typeface="Calibri"/>
+              </a:rPr>
+              <a:t>fstream</a:t>
+            </a:r>
+            <a:r>
+              <a:rPr lang="ru-RU" sz="1800" b="0" i="0" u="none" strike="noStrike" cap="none" dirty="0">
                 <a:solidFill>
                   <a:schemeClr val="dk1"/>
                 </a:solidFill>
@@ -32645,7 +33098,7 @@
               </a:rPr>
               <a:t>: Класс двунаправленных файловых потоков (позволяет создавать, считывать и записывать информацию).  </a:t>
             </a:r>
-            <a:endParaRPr/>
+            <a:endParaRPr dirty="0"/>
           </a:p>
           <a:p>
             <a:pPr marL="0" marR="0" lvl="0" indent="0" algn="l" rtl="0">
@@ -32661,7 +33114,7 @@
               <a:buNone/>
             </a:pPr>
             <a:r>
-              <a:rPr lang="ru-RU" sz="1800" b="0" i="0" u="none" strike="noStrike" cap="none">
+              <a:rPr lang="ru-RU" sz="1800" b="0" i="0" u="none" strike="noStrike" cap="none" dirty="0">
                 <a:solidFill>
                   <a:schemeClr val="dk1"/>
                 </a:solidFill>
@@ -32670,9 +33123,57 @@
                 <a:cs typeface="Calibri"/>
                 <a:sym typeface="Calibri"/>
               </a:rPr>
-              <a:t>Чтобы выполнять обработку файлов в C++, должны быть подключены заголовочные файлы &lt;iostream&gt; и &lt;fstream&gt; в исходном файле C++.</a:t>
+              <a:t>Чтобы выполнять обработку файлов в C++, должны быть подключены заголовочные файлы &lt;</a:t>
             </a:r>
-            <a:endParaRPr sz="1800" b="0" i="0" u="none" strike="noStrike" cap="none">
+            <a:r>
+              <a:rPr lang="ru-RU" sz="1800" b="0" i="0" u="none" strike="noStrike" cap="none" dirty="0" err="1">
+                <a:solidFill>
+                  <a:schemeClr val="dk1"/>
+                </a:solidFill>
+                <a:latin typeface="Calibri"/>
+                <a:ea typeface="Calibri"/>
+                <a:cs typeface="Calibri"/>
+                <a:sym typeface="Calibri"/>
+              </a:rPr>
+              <a:t>iostream</a:t>
+            </a:r>
+            <a:r>
+              <a:rPr lang="ru-RU" sz="1800" b="0" i="0" u="none" strike="noStrike" cap="none" dirty="0">
+                <a:solidFill>
+                  <a:schemeClr val="dk1"/>
+                </a:solidFill>
+                <a:latin typeface="Calibri"/>
+                <a:ea typeface="Calibri"/>
+                <a:cs typeface="Calibri"/>
+                <a:sym typeface="Calibri"/>
+              </a:rPr>
+              <a:t>&gt; и &lt;</a:t>
+            </a:r>
+            <a:r>
+              <a:rPr lang="ru-RU" sz="1800" b="0" i="0" u="none" strike="noStrike" cap="none" dirty="0" err="1">
+                <a:solidFill>
+                  <a:schemeClr val="dk1"/>
+                </a:solidFill>
+                <a:latin typeface="Calibri"/>
+                <a:ea typeface="Calibri"/>
+                <a:cs typeface="Calibri"/>
+                <a:sym typeface="Calibri"/>
+              </a:rPr>
+              <a:t>fstream</a:t>
+            </a:r>
+            <a:r>
+              <a:rPr lang="ru-RU" sz="1800" b="0" i="0" u="none" strike="noStrike" cap="none" dirty="0">
+                <a:solidFill>
+                  <a:schemeClr val="dk1"/>
+                </a:solidFill>
+                <a:latin typeface="Calibri"/>
+                <a:ea typeface="Calibri"/>
+                <a:cs typeface="Calibri"/>
+                <a:sym typeface="Calibri"/>
+              </a:rPr>
+              <a:t>&gt; в исходном файле C++.</a:t>
+            </a:r>
+            <a:endParaRPr sz="1800" b="0" i="0" u="none" strike="noStrike" cap="none" dirty="0">
               <a:solidFill>
                 <a:schemeClr val="dk1"/>
               </a:solidFill>
